--- a/database/block.pptx
+++ b/database/block.pptx
@@ -104,6 +104,11 @@
       </a:defRPr>
     </a:lvl9pPr>
   </p:defaultTextStyle>
+  <p:extLst>
+    <p:ext uri="{EFAFB233-063F-42B5-8137-9DF3F51BA10A}">
+      <p15:sldGuideLst xmlns:p15="http://schemas.microsoft.com/office/powerpoint/2012/main"/>
+    </p:ext>
+  </p:extLst>
 </p:presentation>
 </file>
 
@@ -238,7 +243,7 @@
           <a:p>
             <a:fld id="{E74C4CE9-26BA-4928-9D18-1835518D233E}" type="datetimeFigureOut">
               <a:rPr lang="ru-RU" smtClean="0"/>
-              <a:t>04.11.2022</a:t>
+              <a:t>13.11.2022</a:t>
             </a:fld>
             <a:endParaRPr lang="ru-RU"/>
           </a:p>
@@ -408,7 +413,7 @@
           <a:p>
             <a:fld id="{E74C4CE9-26BA-4928-9D18-1835518D233E}" type="datetimeFigureOut">
               <a:rPr lang="ru-RU" smtClean="0"/>
-              <a:t>04.11.2022</a:t>
+              <a:t>13.11.2022</a:t>
             </a:fld>
             <a:endParaRPr lang="ru-RU"/>
           </a:p>
@@ -588,7 +593,7 @@
           <a:p>
             <a:fld id="{E74C4CE9-26BA-4928-9D18-1835518D233E}" type="datetimeFigureOut">
               <a:rPr lang="ru-RU" smtClean="0"/>
-              <a:t>04.11.2022</a:t>
+              <a:t>13.11.2022</a:t>
             </a:fld>
             <a:endParaRPr lang="ru-RU"/>
           </a:p>
@@ -758,7 +763,7 @@
           <a:p>
             <a:fld id="{E74C4CE9-26BA-4928-9D18-1835518D233E}" type="datetimeFigureOut">
               <a:rPr lang="ru-RU" smtClean="0"/>
-              <a:t>04.11.2022</a:t>
+              <a:t>13.11.2022</a:t>
             </a:fld>
             <a:endParaRPr lang="ru-RU"/>
           </a:p>
@@ -1004,7 +1009,7 @@
           <a:p>
             <a:fld id="{E74C4CE9-26BA-4928-9D18-1835518D233E}" type="datetimeFigureOut">
               <a:rPr lang="ru-RU" smtClean="0"/>
-              <a:t>04.11.2022</a:t>
+              <a:t>13.11.2022</a:t>
             </a:fld>
             <a:endParaRPr lang="ru-RU"/>
           </a:p>
@@ -1236,7 +1241,7 @@
           <a:p>
             <a:fld id="{E74C4CE9-26BA-4928-9D18-1835518D233E}" type="datetimeFigureOut">
               <a:rPr lang="ru-RU" smtClean="0"/>
-              <a:t>04.11.2022</a:t>
+              <a:t>13.11.2022</a:t>
             </a:fld>
             <a:endParaRPr lang="ru-RU"/>
           </a:p>
@@ -1603,7 +1608,7 @@
           <a:p>
             <a:fld id="{E74C4CE9-26BA-4928-9D18-1835518D233E}" type="datetimeFigureOut">
               <a:rPr lang="ru-RU" smtClean="0"/>
-              <a:t>04.11.2022</a:t>
+              <a:t>13.11.2022</a:t>
             </a:fld>
             <a:endParaRPr lang="ru-RU"/>
           </a:p>
@@ -1721,7 +1726,7 @@
           <a:p>
             <a:fld id="{E74C4CE9-26BA-4928-9D18-1835518D233E}" type="datetimeFigureOut">
               <a:rPr lang="ru-RU" smtClean="0"/>
-              <a:t>04.11.2022</a:t>
+              <a:t>13.11.2022</a:t>
             </a:fld>
             <a:endParaRPr lang="ru-RU"/>
           </a:p>
@@ -1816,7 +1821,7 @@
           <a:p>
             <a:fld id="{E74C4CE9-26BA-4928-9D18-1835518D233E}" type="datetimeFigureOut">
               <a:rPr lang="ru-RU" smtClean="0"/>
-              <a:t>04.11.2022</a:t>
+              <a:t>13.11.2022</a:t>
             </a:fld>
             <a:endParaRPr lang="ru-RU"/>
           </a:p>
@@ -2093,7 +2098,7 @@
           <a:p>
             <a:fld id="{E74C4CE9-26BA-4928-9D18-1835518D233E}" type="datetimeFigureOut">
               <a:rPr lang="ru-RU" smtClean="0"/>
-              <a:t>04.11.2022</a:t>
+              <a:t>13.11.2022</a:t>
             </a:fld>
             <a:endParaRPr lang="ru-RU"/>
           </a:p>
@@ -2346,7 +2351,7 @@
           <a:p>
             <a:fld id="{E74C4CE9-26BA-4928-9D18-1835518D233E}" type="datetimeFigureOut">
               <a:rPr lang="ru-RU" smtClean="0"/>
-              <a:t>04.11.2022</a:t>
+              <a:t>13.11.2022</a:t>
             </a:fld>
             <a:endParaRPr lang="ru-RU"/>
           </a:p>
@@ -2559,7 +2564,7 @@
           <a:p>
             <a:fld id="{E74C4CE9-26BA-4928-9D18-1835518D233E}" type="datetimeFigureOut">
               <a:rPr lang="ru-RU" smtClean="0"/>
-              <a:t>04.11.2022</a:t>
+              <a:t>13.11.2022</a:t>
             </a:fld>
             <a:endParaRPr lang="ru-RU"/>
           </a:p>
@@ -3117,7 +3122,7 @@
         <p:spPr>
           <a:xfrm>
             <a:off x="707924" y="577232"/>
-            <a:ext cx="1312607" cy="4529337"/>
+            <a:ext cx="1312607" cy="4943225"/>
           </a:xfrm>
           <a:prstGeom prst="flowChartProcess">
             <a:avLst/>
@@ -3718,9 +3723,9 @@
         <p:grpSpPr>
           <a:xfrm>
             <a:off x="5560141" y="584462"/>
-            <a:ext cx="1582182" cy="2090205"/>
+            <a:ext cx="1582182" cy="2473582"/>
             <a:chOff x="6334433" y="3171595"/>
-            <a:chExt cx="1334729" cy="2090205"/>
+            <a:chExt cx="1334729" cy="2473582"/>
           </a:xfrm>
         </p:grpSpPr>
         <p:sp>
@@ -3732,7 +3737,7 @@
           <p:spPr>
             <a:xfrm>
               <a:off x="6334433" y="3171595"/>
-              <a:ext cx="1312607" cy="2090205"/>
+              <a:ext cx="1312607" cy="2473582"/>
             </a:xfrm>
             <a:prstGeom prst="flowChartProcess">
               <a:avLst/>
@@ -4361,6 +4366,491 @@
           <a:xfrm flipH="1">
             <a:off x="5271933" y="2489200"/>
             <a:ext cx="288209" cy="3175"/>
+          </a:xfrm>
+          <a:prstGeom prst="line">
+            <a:avLst/>
+          </a:prstGeom>
+        </p:spPr>
+        <p:style>
+          <a:lnRef idx="3">
+            <a:schemeClr val="dk1"/>
+          </a:lnRef>
+          <a:fillRef idx="0">
+            <a:schemeClr val="dk1"/>
+          </a:fillRef>
+          <a:effectRef idx="2">
+            <a:schemeClr val="dk1"/>
+          </a:effectRef>
+          <a:fontRef idx="minor">
+            <a:schemeClr val="tx1"/>
+          </a:fontRef>
+        </p:style>
+      </p:cxnSp>
+      <p:grpSp>
+        <p:nvGrpSpPr>
+          <p:cNvPr id="47" name="Группа 46"/>
+          <p:cNvGrpSpPr/>
+          <p:nvPr/>
+        </p:nvGrpSpPr>
+        <p:grpSpPr>
+          <a:xfrm>
+            <a:off x="8795250" y="3451231"/>
+            <a:ext cx="1555959" cy="1361821"/>
+            <a:chOff x="6334433" y="3171595"/>
+            <a:chExt cx="1312607" cy="1361821"/>
+          </a:xfrm>
+        </p:grpSpPr>
+        <p:sp>
+          <p:nvSpPr>
+            <p:cNvPr id="48" name="Блок-схема: процесс 47"/>
+            <p:cNvSpPr/>
+            <p:nvPr/>
+          </p:nvSpPr>
+          <p:spPr>
+            <a:xfrm>
+              <a:off x="6334433" y="3171595"/>
+              <a:ext cx="1312607" cy="1361821"/>
+            </a:xfrm>
+            <a:prstGeom prst="flowChartProcess">
+              <a:avLst/>
+            </a:prstGeom>
+          </p:spPr>
+          <p:style>
+            <a:lnRef idx="2">
+              <a:schemeClr val="accent1">
+                <a:shade val="50000"/>
+              </a:schemeClr>
+            </a:lnRef>
+            <a:fillRef idx="1">
+              <a:schemeClr val="accent1"/>
+            </a:fillRef>
+            <a:effectRef idx="0">
+              <a:schemeClr val="accent1"/>
+            </a:effectRef>
+            <a:fontRef idx="minor">
+              <a:schemeClr val="lt1"/>
+            </a:fontRef>
+          </p:style>
+          <p:txBody>
+            <a:bodyPr rtlCol="0" anchor="ctr"/>
+            <a:lstStyle/>
+            <a:p>
+              <a:pPr algn="ctr"/>
+              <a:endParaRPr lang="ru-RU"/>
+            </a:p>
+          </p:txBody>
+        </p:sp>
+        <p:sp>
+          <p:nvSpPr>
+            <p:cNvPr id="49" name="TextBox 48"/>
+            <p:cNvSpPr txBox="1"/>
+            <p:nvPr/>
+          </p:nvSpPr>
+          <p:spPr>
+            <a:xfrm>
+              <a:off x="6356555" y="3252089"/>
+              <a:ext cx="1268362" cy="369332"/>
+            </a:xfrm>
+            <a:prstGeom prst="rect">
+              <a:avLst/>
+            </a:prstGeom>
+            <a:noFill/>
+          </p:spPr>
+          <p:txBody>
+            <a:bodyPr wrap="square" rtlCol="0">
+              <a:spAutoFit/>
+            </a:bodyPr>
+            <a:lstStyle/>
+            <a:p>
+              <a:r>
+                <a:rPr lang="en-US" b="1" dirty="0" smtClean="0"/>
+                <a:t>File</a:t>
+              </a:r>
+              <a:endParaRPr lang="ru-RU" b="1" dirty="0"/>
+            </a:p>
+          </p:txBody>
+        </p:sp>
+        <p:sp>
+          <p:nvSpPr>
+            <p:cNvPr id="50" name="TextBox 49"/>
+            <p:cNvSpPr txBox="1"/>
+            <p:nvPr/>
+          </p:nvSpPr>
+          <p:spPr>
+            <a:xfrm>
+              <a:off x="6378678" y="3701915"/>
+              <a:ext cx="1268362" cy="369332"/>
+            </a:xfrm>
+            <a:prstGeom prst="rect">
+              <a:avLst/>
+            </a:prstGeom>
+            <a:noFill/>
+            <a:ln>
+              <a:solidFill>
+                <a:schemeClr val="tx1"/>
+              </a:solidFill>
+            </a:ln>
+          </p:spPr>
+          <p:txBody>
+            <a:bodyPr wrap="square" rtlCol="0">
+              <a:spAutoFit/>
+            </a:bodyPr>
+            <a:lstStyle/>
+            <a:p>
+              <a:r>
+                <a:rPr lang="en-US" dirty="0" smtClean="0"/>
+                <a:t>id</a:t>
+              </a:r>
+              <a:endParaRPr lang="ru-RU" dirty="0"/>
+            </a:p>
+          </p:txBody>
+        </p:sp>
+        <p:sp>
+          <p:nvSpPr>
+            <p:cNvPr id="51" name="TextBox 50"/>
+            <p:cNvSpPr txBox="1"/>
+            <p:nvPr/>
+          </p:nvSpPr>
+          <p:spPr>
+            <a:xfrm>
+              <a:off x="6378679" y="4055254"/>
+              <a:ext cx="1246238" cy="369332"/>
+            </a:xfrm>
+            <a:prstGeom prst="rect">
+              <a:avLst/>
+            </a:prstGeom>
+            <a:noFill/>
+            <a:ln>
+              <a:solidFill>
+                <a:schemeClr val="tx1"/>
+              </a:solidFill>
+            </a:ln>
+          </p:spPr>
+          <p:txBody>
+            <a:bodyPr wrap="square" rtlCol="0">
+              <a:spAutoFit/>
+            </a:bodyPr>
+            <a:lstStyle/>
+            <a:p>
+              <a:r>
+                <a:rPr lang="en-US" dirty="0" smtClean="0"/>
+                <a:t>File path</a:t>
+              </a:r>
+              <a:endParaRPr lang="ru-RU" dirty="0"/>
+            </a:p>
+          </p:txBody>
+        </p:sp>
+      </p:grpSp>
+      <p:sp>
+        <p:nvSpPr>
+          <p:cNvPr id="55" name="TextBox 54"/>
+          <p:cNvSpPr txBox="1"/>
+          <p:nvPr/>
+        </p:nvSpPr>
+        <p:spPr>
+          <a:xfrm>
+            <a:off x="720979" y="5143503"/>
+            <a:ext cx="1268362" cy="369332"/>
+          </a:xfrm>
+          <a:prstGeom prst="rect">
+            <a:avLst/>
+          </a:prstGeom>
+          <a:noFill/>
+          <a:ln>
+            <a:solidFill>
+              <a:schemeClr val="tx1"/>
+            </a:solidFill>
+          </a:ln>
+        </p:spPr>
+        <p:txBody>
+          <a:bodyPr wrap="square" rtlCol="0">
+            <a:spAutoFit/>
+          </a:bodyPr>
+          <a:lstStyle/>
+          <a:p>
+            <a:r>
+              <a:rPr lang="en-US" dirty="0" err="1"/>
+              <a:t>f</a:t>
+            </a:r>
+            <a:r>
+              <a:rPr lang="en-US" dirty="0" err="1" smtClean="0"/>
+              <a:t>ile_id</a:t>
+            </a:r>
+            <a:endParaRPr lang="ru-RU" dirty="0"/>
+          </a:p>
+        </p:txBody>
+      </p:sp>
+      <p:sp>
+        <p:nvSpPr>
+          <p:cNvPr id="56" name="TextBox 55"/>
+          <p:cNvSpPr txBox="1"/>
+          <p:nvPr/>
+        </p:nvSpPr>
+        <p:spPr>
+          <a:xfrm>
+            <a:off x="5563060" y="2688712"/>
+            <a:ext cx="1268362" cy="369332"/>
+          </a:xfrm>
+          <a:prstGeom prst="rect">
+            <a:avLst/>
+          </a:prstGeom>
+          <a:noFill/>
+          <a:ln>
+            <a:solidFill>
+              <a:schemeClr val="tx1"/>
+            </a:solidFill>
+          </a:ln>
+        </p:spPr>
+        <p:txBody>
+          <a:bodyPr wrap="square" rtlCol="0">
+            <a:spAutoFit/>
+          </a:bodyPr>
+          <a:lstStyle/>
+          <a:p>
+            <a:r>
+              <a:rPr lang="en-US" dirty="0" err="1"/>
+              <a:t>f</a:t>
+            </a:r>
+            <a:r>
+              <a:rPr lang="en-US" dirty="0" err="1" smtClean="0"/>
+              <a:t>ile_id</a:t>
+            </a:r>
+            <a:endParaRPr lang="ru-RU" dirty="0"/>
+          </a:p>
+        </p:txBody>
+      </p:sp>
+      <p:cxnSp>
+        <p:nvCxnSpPr>
+          <p:cNvPr id="3" name="Прямая соединительная линия 2"/>
+          <p:cNvCxnSpPr>
+            <a:stCxn id="55" idx="3"/>
+          </p:cNvCxnSpPr>
+          <p:nvPr/>
+        </p:nvCxnSpPr>
+        <p:spPr>
+          <a:xfrm flipV="1">
+            <a:off x="1989341" y="5315712"/>
+            <a:ext cx="200791" cy="12457"/>
+          </a:xfrm>
+          <a:prstGeom prst="line">
+            <a:avLst/>
+          </a:prstGeom>
+        </p:spPr>
+        <p:style>
+          <a:lnRef idx="3">
+            <a:schemeClr val="dk1"/>
+          </a:lnRef>
+          <a:fillRef idx="0">
+            <a:schemeClr val="dk1"/>
+          </a:fillRef>
+          <a:effectRef idx="2">
+            <a:schemeClr val="dk1"/>
+          </a:effectRef>
+          <a:fontRef idx="minor">
+            <a:schemeClr val="tx1"/>
+          </a:fontRef>
+        </p:style>
+      </p:cxnSp>
+      <p:cxnSp>
+        <p:nvCxnSpPr>
+          <p:cNvPr id="6" name="Прямая соединительная линия 5"/>
+          <p:cNvCxnSpPr/>
+          <p:nvPr/>
+        </p:nvCxnSpPr>
+        <p:spPr>
+          <a:xfrm>
+            <a:off x="2190132" y="5328169"/>
+            <a:ext cx="0" cy="1243319"/>
+          </a:xfrm>
+          <a:prstGeom prst="line">
+            <a:avLst/>
+          </a:prstGeom>
+        </p:spPr>
+        <p:style>
+          <a:lnRef idx="3">
+            <a:schemeClr val="dk1"/>
+          </a:lnRef>
+          <a:fillRef idx="0">
+            <a:schemeClr val="dk1"/>
+          </a:fillRef>
+          <a:effectRef idx="2">
+            <a:schemeClr val="dk1"/>
+          </a:effectRef>
+          <a:fontRef idx="minor">
+            <a:schemeClr val="tx1"/>
+          </a:fontRef>
+        </p:style>
+      </p:cxnSp>
+      <p:cxnSp>
+        <p:nvCxnSpPr>
+          <p:cNvPr id="12" name="Прямая соединительная линия 11"/>
+          <p:cNvCxnSpPr/>
+          <p:nvPr/>
+        </p:nvCxnSpPr>
+        <p:spPr>
+          <a:xfrm flipV="1">
+            <a:off x="2190132" y="6534912"/>
+            <a:ext cx="5698092" cy="36576"/>
+          </a:xfrm>
+          <a:prstGeom prst="line">
+            <a:avLst/>
+          </a:prstGeom>
+        </p:spPr>
+        <p:style>
+          <a:lnRef idx="3">
+            <a:schemeClr val="dk1"/>
+          </a:lnRef>
+          <a:fillRef idx="0">
+            <a:schemeClr val="dk1"/>
+          </a:fillRef>
+          <a:effectRef idx="2">
+            <a:schemeClr val="dk1"/>
+          </a:effectRef>
+          <a:fontRef idx="minor">
+            <a:schemeClr val="tx1"/>
+          </a:fontRef>
+        </p:style>
+      </p:cxnSp>
+      <p:cxnSp>
+        <p:nvCxnSpPr>
+          <p:cNvPr id="14" name="Прямая соединительная линия 13"/>
+          <p:cNvCxnSpPr/>
+          <p:nvPr/>
+        </p:nvCxnSpPr>
+        <p:spPr>
+          <a:xfrm rot="10800000" flipH="1">
+            <a:off x="7888224" y="4203951"/>
+            <a:ext cx="882095" cy="12747"/>
+          </a:xfrm>
+          <a:prstGeom prst="line">
+            <a:avLst/>
+          </a:prstGeom>
+          <a:ln>
+            <a:headEnd type="none" w="med" len="med"/>
+            <a:tailEnd type="arrow" w="med" len="med"/>
+          </a:ln>
+        </p:spPr>
+        <p:style>
+          <a:lnRef idx="3">
+            <a:schemeClr val="dk1"/>
+          </a:lnRef>
+          <a:fillRef idx="0">
+            <a:schemeClr val="dk1"/>
+          </a:fillRef>
+          <a:effectRef idx="2">
+            <a:schemeClr val="dk1"/>
+          </a:effectRef>
+          <a:fontRef idx="minor">
+            <a:schemeClr val="tx1"/>
+          </a:fontRef>
+        </p:style>
+      </p:cxnSp>
+      <p:cxnSp>
+        <p:nvCxnSpPr>
+          <p:cNvPr id="16" name="Прямая соединительная линия 15"/>
+          <p:cNvCxnSpPr/>
+          <p:nvPr/>
+        </p:nvCxnSpPr>
+        <p:spPr>
+          <a:xfrm>
+            <a:off x="7888224" y="4216698"/>
+            <a:ext cx="0" cy="2354790"/>
+          </a:xfrm>
+          <a:prstGeom prst="line">
+            <a:avLst/>
+          </a:prstGeom>
+        </p:spPr>
+        <p:style>
+          <a:lnRef idx="3">
+            <a:schemeClr val="dk1"/>
+          </a:lnRef>
+          <a:fillRef idx="0">
+            <a:schemeClr val="dk1"/>
+          </a:fillRef>
+          <a:effectRef idx="2">
+            <a:schemeClr val="dk1"/>
+          </a:effectRef>
+          <a:fontRef idx="minor">
+            <a:schemeClr val="tx1"/>
+          </a:fontRef>
+        </p:style>
+      </p:cxnSp>
+      <p:cxnSp>
+        <p:nvCxnSpPr>
+          <p:cNvPr id="70" name="Прямая соединительная линия 69"/>
+          <p:cNvCxnSpPr/>
+          <p:nvPr/>
+        </p:nvCxnSpPr>
+        <p:spPr>
+          <a:xfrm rot="10800000" flipH="1">
+            <a:off x="7888224" y="4049076"/>
+            <a:ext cx="882095" cy="12747"/>
+          </a:xfrm>
+          <a:prstGeom prst="line">
+            <a:avLst/>
+          </a:prstGeom>
+          <a:ln>
+            <a:headEnd type="none" w="med" len="med"/>
+            <a:tailEnd type="arrow" w="med" len="med"/>
+          </a:ln>
+        </p:spPr>
+        <p:style>
+          <a:lnRef idx="3">
+            <a:schemeClr val="dk1"/>
+          </a:lnRef>
+          <a:fillRef idx="0">
+            <a:schemeClr val="dk1"/>
+          </a:fillRef>
+          <a:effectRef idx="2">
+            <a:schemeClr val="dk1"/>
+          </a:effectRef>
+          <a:fontRef idx="minor">
+            <a:schemeClr val="tx1"/>
+          </a:fontRef>
+        </p:style>
+      </p:cxnSp>
+      <p:cxnSp>
+        <p:nvCxnSpPr>
+          <p:cNvPr id="35" name="Прямая соединительная линия 34"/>
+          <p:cNvCxnSpPr>
+            <a:stCxn id="56" idx="3"/>
+          </p:cNvCxnSpPr>
+          <p:nvPr/>
+        </p:nvCxnSpPr>
+        <p:spPr>
+          <a:xfrm>
+            <a:off x="6831422" y="2873378"/>
+            <a:ext cx="1056802" cy="0"/>
+          </a:xfrm>
+          <a:prstGeom prst="line">
+            <a:avLst/>
+          </a:prstGeom>
+        </p:spPr>
+        <p:style>
+          <a:lnRef idx="3">
+            <a:schemeClr val="dk1"/>
+          </a:lnRef>
+          <a:fillRef idx="0">
+            <a:schemeClr val="dk1"/>
+          </a:fillRef>
+          <a:effectRef idx="2">
+            <a:schemeClr val="dk1"/>
+          </a:effectRef>
+          <a:fontRef idx="minor">
+            <a:schemeClr val="tx1"/>
+          </a:fontRef>
+        </p:style>
+      </p:cxnSp>
+      <p:cxnSp>
+        <p:nvCxnSpPr>
+          <p:cNvPr id="37" name="Прямая соединительная линия 36"/>
+          <p:cNvCxnSpPr/>
+          <p:nvPr/>
+        </p:nvCxnSpPr>
+        <p:spPr>
+          <a:xfrm flipV="1">
+            <a:off x="7888224" y="2873378"/>
+            <a:ext cx="0" cy="1153163"/>
           </a:xfrm>
           <a:prstGeom prst="line">
             <a:avLst/>

--- a/database/block.pptx
+++ b/database/block.pptx
@@ -243,7 +243,7 @@
           <a:p>
             <a:fld id="{E74C4CE9-26BA-4928-9D18-1835518D233E}" type="datetimeFigureOut">
               <a:rPr lang="ru-RU" smtClean="0"/>
-              <a:t>13.11.2022</a:t>
+              <a:t>03.12.2022</a:t>
             </a:fld>
             <a:endParaRPr lang="ru-RU"/>
           </a:p>
@@ -413,7 +413,7 @@
           <a:p>
             <a:fld id="{E74C4CE9-26BA-4928-9D18-1835518D233E}" type="datetimeFigureOut">
               <a:rPr lang="ru-RU" smtClean="0"/>
-              <a:t>13.11.2022</a:t>
+              <a:t>03.12.2022</a:t>
             </a:fld>
             <a:endParaRPr lang="ru-RU"/>
           </a:p>
@@ -593,7 +593,7 @@
           <a:p>
             <a:fld id="{E74C4CE9-26BA-4928-9D18-1835518D233E}" type="datetimeFigureOut">
               <a:rPr lang="ru-RU" smtClean="0"/>
-              <a:t>13.11.2022</a:t>
+              <a:t>03.12.2022</a:t>
             </a:fld>
             <a:endParaRPr lang="ru-RU"/>
           </a:p>
@@ -763,7 +763,7 @@
           <a:p>
             <a:fld id="{E74C4CE9-26BA-4928-9D18-1835518D233E}" type="datetimeFigureOut">
               <a:rPr lang="ru-RU" smtClean="0"/>
-              <a:t>13.11.2022</a:t>
+              <a:t>03.12.2022</a:t>
             </a:fld>
             <a:endParaRPr lang="ru-RU"/>
           </a:p>
@@ -1009,7 +1009,7 @@
           <a:p>
             <a:fld id="{E74C4CE9-26BA-4928-9D18-1835518D233E}" type="datetimeFigureOut">
               <a:rPr lang="ru-RU" smtClean="0"/>
-              <a:t>13.11.2022</a:t>
+              <a:t>03.12.2022</a:t>
             </a:fld>
             <a:endParaRPr lang="ru-RU"/>
           </a:p>
@@ -1241,7 +1241,7 @@
           <a:p>
             <a:fld id="{E74C4CE9-26BA-4928-9D18-1835518D233E}" type="datetimeFigureOut">
               <a:rPr lang="ru-RU" smtClean="0"/>
-              <a:t>13.11.2022</a:t>
+              <a:t>03.12.2022</a:t>
             </a:fld>
             <a:endParaRPr lang="ru-RU"/>
           </a:p>
@@ -1608,7 +1608,7 @@
           <a:p>
             <a:fld id="{E74C4CE9-26BA-4928-9D18-1835518D233E}" type="datetimeFigureOut">
               <a:rPr lang="ru-RU" smtClean="0"/>
-              <a:t>13.11.2022</a:t>
+              <a:t>03.12.2022</a:t>
             </a:fld>
             <a:endParaRPr lang="ru-RU"/>
           </a:p>
@@ -1726,7 +1726,7 @@
           <a:p>
             <a:fld id="{E74C4CE9-26BA-4928-9D18-1835518D233E}" type="datetimeFigureOut">
               <a:rPr lang="ru-RU" smtClean="0"/>
-              <a:t>13.11.2022</a:t>
+              <a:t>03.12.2022</a:t>
             </a:fld>
             <a:endParaRPr lang="ru-RU"/>
           </a:p>
@@ -1821,7 +1821,7 @@
           <a:p>
             <a:fld id="{E74C4CE9-26BA-4928-9D18-1835518D233E}" type="datetimeFigureOut">
               <a:rPr lang="ru-RU" smtClean="0"/>
-              <a:t>13.11.2022</a:t>
+              <a:t>03.12.2022</a:t>
             </a:fld>
             <a:endParaRPr lang="ru-RU"/>
           </a:p>
@@ -2098,7 +2098,7 @@
           <a:p>
             <a:fld id="{E74C4CE9-26BA-4928-9D18-1835518D233E}" type="datetimeFigureOut">
               <a:rPr lang="ru-RU" smtClean="0"/>
-              <a:t>13.11.2022</a:t>
+              <a:t>03.12.2022</a:t>
             </a:fld>
             <a:endParaRPr lang="ru-RU"/>
           </a:p>
@@ -2351,7 +2351,7 @@
           <a:p>
             <a:fld id="{E74C4CE9-26BA-4928-9D18-1835518D233E}" type="datetimeFigureOut">
               <a:rPr lang="ru-RU" smtClean="0"/>
-              <a:t>13.11.2022</a:t>
+              <a:t>03.12.2022</a:t>
             </a:fld>
             <a:endParaRPr lang="ru-RU"/>
           </a:p>
@@ -2564,7 +2564,7 @@
           <a:p>
             <a:fld id="{E74C4CE9-26BA-4928-9D18-1835518D233E}" type="datetimeFigureOut">
               <a:rPr lang="ru-RU" smtClean="0"/>
-              <a:t>13.11.2022</a:t>
+              <a:t>03.12.2022</a:t>
             </a:fld>
             <a:endParaRPr lang="ru-RU"/>
           </a:p>
@@ -4386,471 +4386,16 @@
           </a:fontRef>
         </p:style>
       </p:cxnSp>
-      <p:grpSp>
-        <p:nvGrpSpPr>
-          <p:cNvPr id="47" name="Группа 46"/>
-          <p:cNvGrpSpPr/>
-          <p:nvPr/>
-        </p:nvGrpSpPr>
-        <p:grpSpPr>
-          <a:xfrm>
-            <a:off x="8795250" y="3451231"/>
-            <a:ext cx="1555959" cy="1361821"/>
-            <a:chOff x="6334433" y="3171595"/>
-            <a:chExt cx="1312607" cy="1361821"/>
-          </a:xfrm>
-        </p:grpSpPr>
-        <p:sp>
-          <p:nvSpPr>
-            <p:cNvPr id="48" name="Блок-схема: процесс 47"/>
-            <p:cNvSpPr/>
-            <p:nvPr/>
-          </p:nvSpPr>
-          <p:spPr>
-            <a:xfrm>
-              <a:off x="6334433" y="3171595"/>
-              <a:ext cx="1312607" cy="1361821"/>
-            </a:xfrm>
-            <a:prstGeom prst="flowChartProcess">
-              <a:avLst/>
-            </a:prstGeom>
-          </p:spPr>
-          <p:style>
-            <a:lnRef idx="2">
-              <a:schemeClr val="accent1">
-                <a:shade val="50000"/>
-              </a:schemeClr>
-            </a:lnRef>
-            <a:fillRef idx="1">
-              <a:schemeClr val="accent1"/>
-            </a:fillRef>
-            <a:effectRef idx="0">
-              <a:schemeClr val="accent1"/>
-            </a:effectRef>
-            <a:fontRef idx="minor">
-              <a:schemeClr val="lt1"/>
-            </a:fontRef>
-          </p:style>
-          <p:txBody>
-            <a:bodyPr rtlCol="0" anchor="ctr"/>
-            <a:lstStyle/>
-            <a:p>
-              <a:pPr algn="ctr"/>
-              <a:endParaRPr lang="ru-RU"/>
-            </a:p>
-          </p:txBody>
-        </p:sp>
-        <p:sp>
-          <p:nvSpPr>
-            <p:cNvPr id="49" name="TextBox 48"/>
-            <p:cNvSpPr txBox="1"/>
-            <p:nvPr/>
-          </p:nvSpPr>
-          <p:spPr>
-            <a:xfrm>
-              <a:off x="6356555" y="3252089"/>
-              <a:ext cx="1268362" cy="369332"/>
-            </a:xfrm>
-            <a:prstGeom prst="rect">
-              <a:avLst/>
-            </a:prstGeom>
-            <a:noFill/>
-          </p:spPr>
-          <p:txBody>
-            <a:bodyPr wrap="square" rtlCol="0">
-              <a:spAutoFit/>
-            </a:bodyPr>
-            <a:lstStyle/>
-            <a:p>
-              <a:r>
-                <a:rPr lang="en-US" b="1" dirty="0" smtClean="0"/>
-                <a:t>File</a:t>
-              </a:r>
-              <a:endParaRPr lang="ru-RU" b="1" dirty="0"/>
-            </a:p>
-          </p:txBody>
-        </p:sp>
-        <p:sp>
-          <p:nvSpPr>
-            <p:cNvPr id="50" name="TextBox 49"/>
-            <p:cNvSpPr txBox="1"/>
-            <p:nvPr/>
-          </p:nvSpPr>
-          <p:spPr>
-            <a:xfrm>
-              <a:off x="6378678" y="3701915"/>
-              <a:ext cx="1268362" cy="369332"/>
-            </a:xfrm>
-            <a:prstGeom prst="rect">
-              <a:avLst/>
-            </a:prstGeom>
-            <a:noFill/>
-            <a:ln>
-              <a:solidFill>
-                <a:schemeClr val="tx1"/>
-              </a:solidFill>
-            </a:ln>
-          </p:spPr>
-          <p:txBody>
-            <a:bodyPr wrap="square" rtlCol="0">
-              <a:spAutoFit/>
-            </a:bodyPr>
-            <a:lstStyle/>
-            <a:p>
-              <a:r>
-                <a:rPr lang="en-US" dirty="0" smtClean="0"/>
-                <a:t>id</a:t>
-              </a:r>
-              <a:endParaRPr lang="ru-RU" dirty="0"/>
-            </a:p>
-          </p:txBody>
-        </p:sp>
-        <p:sp>
-          <p:nvSpPr>
-            <p:cNvPr id="51" name="TextBox 50"/>
-            <p:cNvSpPr txBox="1"/>
-            <p:nvPr/>
-          </p:nvSpPr>
-          <p:spPr>
-            <a:xfrm>
-              <a:off x="6378679" y="4055254"/>
-              <a:ext cx="1246238" cy="369332"/>
-            </a:xfrm>
-            <a:prstGeom prst="rect">
-              <a:avLst/>
-            </a:prstGeom>
-            <a:noFill/>
-            <a:ln>
-              <a:solidFill>
-                <a:schemeClr val="tx1"/>
-              </a:solidFill>
-            </a:ln>
-          </p:spPr>
-          <p:txBody>
-            <a:bodyPr wrap="square" rtlCol="0">
-              <a:spAutoFit/>
-            </a:bodyPr>
-            <a:lstStyle/>
-            <a:p>
-              <a:r>
-                <a:rPr lang="en-US" dirty="0" smtClean="0"/>
-                <a:t>File path</a:t>
-              </a:r>
-              <a:endParaRPr lang="ru-RU" dirty="0"/>
-            </a:p>
-          </p:txBody>
-        </p:sp>
-      </p:grpSp>
-      <p:sp>
-        <p:nvSpPr>
-          <p:cNvPr id="55" name="TextBox 54"/>
-          <p:cNvSpPr txBox="1"/>
-          <p:nvPr/>
-        </p:nvSpPr>
-        <p:spPr>
-          <a:xfrm>
-            <a:off x="720979" y="5143503"/>
-            <a:ext cx="1268362" cy="369332"/>
-          </a:xfrm>
-          <a:prstGeom prst="rect">
-            <a:avLst/>
-          </a:prstGeom>
-          <a:noFill/>
-          <a:ln>
-            <a:solidFill>
-              <a:schemeClr val="tx1"/>
-            </a:solidFill>
-          </a:ln>
-        </p:spPr>
-        <p:txBody>
-          <a:bodyPr wrap="square" rtlCol="0">
-            <a:spAutoFit/>
-          </a:bodyPr>
-          <a:lstStyle/>
-          <a:p>
-            <a:r>
-              <a:rPr lang="en-US" dirty="0" err="1"/>
-              <a:t>f</a:t>
-            </a:r>
-            <a:r>
-              <a:rPr lang="en-US" dirty="0" err="1" smtClean="0"/>
-              <a:t>ile_id</a:t>
-            </a:r>
-            <a:endParaRPr lang="ru-RU" dirty="0"/>
-          </a:p>
-        </p:txBody>
-      </p:sp>
-      <p:sp>
-        <p:nvSpPr>
-          <p:cNvPr id="56" name="TextBox 55"/>
-          <p:cNvSpPr txBox="1"/>
-          <p:nvPr/>
-        </p:nvSpPr>
-        <p:spPr>
-          <a:xfrm>
-            <a:off x="5563060" y="2688712"/>
-            <a:ext cx="1268362" cy="369332"/>
-          </a:xfrm>
-          <a:prstGeom prst="rect">
-            <a:avLst/>
-          </a:prstGeom>
-          <a:noFill/>
-          <a:ln>
-            <a:solidFill>
-              <a:schemeClr val="tx1"/>
-            </a:solidFill>
-          </a:ln>
-        </p:spPr>
-        <p:txBody>
-          <a:bodyPr wrap="square" rtlCol="0">
-            <a:spAutoFit/>
-          </a:bodyPr>
-          <a:lstStyle/>
-          <a:p>
-            <a:r>
-              <a:rPr lang="en-US" dirty="0" err="1"/>
-              <a:t>f</a:t>
-            </a:r>
-            <a:r>
-              <a:rPr lang="en-US" dirty="0" err="1" smtClean="0"/>
-              <a:t>ile_id</a:t>
-            </a:r>
-            <a:endParaRPr lang="ru-RU" dirty="0"/>
-          </a:p>
-        </p:txBody>
-      </p:sp>
       <p:cxnSp>
         <p:nvCxnSpPr>
           <p:cNvPr id="3" name="Прямая соединительная линия 2"/>
-          <p:cNvCxnSpPr>
-            <a:stCxn id="55" idx="3"/>
-          </p:cNvCxnSpPr>
+          <p:cNvCxnSpPr/>
           <p:nvPr/>
         </p:nvCxnSpPr>
         <p:spPr>
           <a:xfrm flipV="1">
             <a:off x="1989341" y="5315712"/>
             <a:ext cx="200791" cy="12457"/>
-          </a:xfrm>
-          <a:prstGeom prst="line">
-            <a:avLst/>
-          </a:prstGeom>
-        </p:spPr>
-        <p:style>
-          <a:lnRef idx="3">
-            <a:schemeClr val="dk1"/>
-          </a:lnRef>
-          <a:fillRef idx="0">
-            <a:schemeClr val="dk1"/>
-          </a:fillRef>
-          <a:effectRef idx="2">
-            <a:schemeClr val="dk1"/>
-          </a:effectRef>
-          <a:fontRef idx="minor">
-            <a:schemeClr val="tx1"/>
-          </a:fontRef>
-        </p:style>
-      </p:cxnSp>
-      <p:cxnSp>
-        <p:nvCxnSpPr>
-          <p:cNvPr id="6" name="Прямая соединительная линия 5"/>
-          <p:cNvCxnSpPr/>
-          <p:nvPr/>
-        </p:nvCxnSpPr>
-        <p:spPr>
-          <a:xfrm>
-            <a:off x="2190132" y="5328169"/>
-            <a:ext cx="0" cy="1243319"/>
-          </a:xfrm>
-          <a:prstGeom prst="line">
-            <a:avLst/>
-          </a:prstGeom>
-        </p:spPr>
-        <p:style>
-          <a:lnRef idx="3">
-            <a:schemeClr val="dk1"/>
-          </a:lnRef>
-          <a:fillRef idx="0">
-            <a:schemeClr val="dk1"/>
-          </a:fillRef>
-          <a:effectRef idx="2">
-            <a:schemeClr val="dk1"/>
-          </a:effectRef>
-          <a:fontRef idx="minor">
-            <a:schemeClr val="tx1"/>
-          </a:fontRef>
-        </p:style>
-      </p:cxnSp>
-      <p:cxnSp>
-        <p:nvCxnSpPr>
-          <p:cNvPr id="12" name="Прямая соединительная линия 11"/>
-          <p:cNvCxnSpPr/>
-          <p:nvPr/>
-        </p:nvCxnSpPr>
-        <p:spPr>
-          <a:xfrm flipV="1">
-            <a:off x="2190132" y="6534912"/>
-            <a:ext cx="5698092" cy="36576"/>
-          </a:xfrm>
-          <a:prstGeom prst="line">
-            <a:avLst/>
-          </a:prstGeom>
-        </p:spPr>
-        <p:style>
-          <a:lnRef idx="3">
-            <a:schemeClr val="dk1"/>
-          </a:lnRef>
-          <a:fillRef idx="0">
-            <a:schemeClr val="dk1"/>
-          </a:fillRef>
-          <a:effectRef idx="2">
-            <a:schemeClr val="dk1"/>
-          </a:effectRef>
-          <a:fontRef idx="minor">
-            <a:schemeClr val="tx1"/>
-          </a:fontRef>
-        </p:style>
-      </p:cxnSp>
-      <p:cxnSp>
-        <p:nvCxnSpPr>
-          <p:cNvPr id="14" name="Прямая соединительная линия 13"/>
-          <p:cNvCxnSpPr/>
-          <p:nvPr/>
-        </p:nvCxnSpPr>
-        <p:spPr>
-          <a:xfrm rot="10800000" flipH="1">
-            <a:off x="7888224" y="4203951"/>
-            <a:ext cx="882095" cy="12747"/>
-          </a:xfrm>
-          <a:prstGeom prst="line">
-            <a:avLst/>
-          </a:prstGeom>
-          <a:ln>
-            <a:headEnd type="none" w="med" len="med"/>
-            <a:tailEnd type="arrow" w="med" len="med"/>
-          </a:ln>
-        </p:spPr>
-        <p:style>
-          <a:lnRef idx="3">
-            <a:schemeClr val="dk1"/>
-          </a:lnRef>
-          <a:fillRef idx="0">
-            <a:schemeClr val="dk1"/>
-          </a:fillRef>
-          <a:effectRef idx="2">
-            <a:schemeClr val="dk1"/>
-          </a:effectRef>
-          <a:fontRef idx="minor">
-            <a:schemeClr val="tx1"/>
-          </a:fontRef>
-        </p:style>
-      </p:cxnSp>
-      <p:cxnSp>
-        <p:nvCxnSpPr>
-          <p:cNvPr id="16" name="Прямая соединительная линия 15"/>
-          <p:cNvCxnSpPr/>
-          <p:nvPr/>
-        </p:nvCxnSpPr>
-        <p:spPr>
-          <a:xfrm>
-            <a:off x="7888224" y="4216698"/>
-            <a:ext cx="0" cy="2354790"/>
-          </a:xfrm>
-          <a:prstGeom prst="line">
-            <a:avLst/>
-          </a:prstGeom>
-        </p:spPr>
-        <p:style>
-          <a:lnRef idx="3">
-            <a:schemeClr val="dk1"/>
-          </a:lnRef>
-          <a:fillRef idx="0">
-            <a:schemeClr val="dk1"/>
-          </a:fillRef>
-          <a:effectRef idx="2">
-            <a:schemeClr val="dk1"/>
-          </a:effectRef>
-          <a:fontRef idx="minor">
-            <a:schemeClr val="tx1"/>
-          </a:fontRef>
-        </p:style>
-      </p:cxnSp>
-      <p:cxnSp>
-        <p:nvCxnSpPr>
-          <p:cNvPr id="70" name="Прямая соединительная линия 69"/>
-          <p:cNvCxnSpPr/>
-          <p:nvPr/>
-        </p:nvCxnSpPr>
-        <p:spPr>
-          <a:xfrm rot="10800000" flipH="1">
-            <a:off x="7888224" y="4049076"/>
-            <a:ext cx="882095" cy="12747"/>
-          </a:xfrm>
-          <a:prstGeom prst="line">
-            <a:avLst/>
-          </a:prstGeom>
-          <a:ln>
-            <a:headEnd type="none" w="med" len="med"/>
-            <a:tailEnd type="arrow" w="med" len="med"/>
-          </a:ln>
-        </p:spPr>
-        <p:style>
-          <a:lnRef idx="3">
-            <a:schemeClr val="dk1"/>
-          </a:lnRef>
-          <a:fillRef idx="0">
-            <a:schemeClr val="dk1"/>
-          </a:fillRef>
-          <a:effectRef idx="2">
-            <a:schemeClr val="dk1"/>
-          </a:effectRef>
-          <a:fontRef idx="minor">
-            <a:schemeClr val="tx1"/>
-          </a:fontRef>
-        </p:style>
-      </p:cxnSp>
-      <p:cxnSp>
-        <p:nvCxnSpPr>
-          <p:cNvPr id="35" name="Прямая соединительная линия 34"/>
-          <p:cNvCxnSpPr>
-            <a:stCxn id="56" idx="3"/>
-          </p:cNvCxnSpPr>
-          <p:nvPr/>
-        </p:nvCxnSpPr>
-        <p:spPr>
-          <a:xfrm>
-            <a:off x="6831422" y="2873378"/>
-            <a:ext cx="1056802" cy="0"/>
-          </a:xfrm>
-          <a:prstGeom prst="line">
-            <a:avLst/>
-          </a:prstGeom>
-        </p:spPr>
-        <p:style>
-          <a:lnRef idx="3">
-            <a:schemeClr val="dk1"/>
-          </a:lnRef>
-          <a:fillRef idx="0">
-            <a:schemeClr val="dk1"/>
-          </a:fillRef>
-          <a:effectRef idx="2">
-            <a:schemeClr val="dk1"/>
-          </a:effectRef>
-          <a:fontRef idx="minor">
-            <a:schemeClr val="tx1"/>
-          </a:fontRef>
-        </p:style>
-      </p:cxnSp>
-      <p:cxnSp>
-        <p:nvCxnSpPr>
-          <p:cNvPr id="37" name="Прямая соединительная линия 36"/>
-          <p:cNvCxnSpPr/>
-          <p:nvPr/>
-        </p:nvCxnSpPr>
-        <p:spPr>
-          <a:xfrm flipV="1">
-            <a:off x="7888224" y="2873378"/>
-            <a:ext cx="0" cy="1153163"/>
           </a:xfrm>
           <a:prstGeom prst="line">
             <a:avLst/>
